--- a/intro/Введение.pptx
+++ b/intro/Введение.pptx
@@ -5,7 +5,7 @@
     <p:sldMasterId id="2147483648" r:id="rId1"/>
   </p:sldMasterIdLst>
   <p:notesMasterIdLst>
-    <p:notesMasterId r:id="rId12"/>
+    <p:notesMasterId r:id="rId13"/>
   </p:notesMasterIdLst>
   <p:sldIdLst>
     <p:sldId id="256" r:id="rId2"/>
@@ -16,8 +16,9 @@
     <p:sldId id="258" r:id="rId7"/>
     <p:sldId id="261" r:id="rId8"/>
     <p:sldId id="259" r:id="rId9"/>
-    <p:sldId id="264" r:id="rId10"/>
-    <p:sldId id="260" r:id="rId11"/>
+    <p:sldId id="266" r:id="rId10"/>
+    <p:sldId id="264" r:id="rId11"/>
+    <p:sldId id="260" r:id="rId12"/>
   </p:sldIdLst>
   <p:sldSz cx="12192000" cy="6858000"/>
   <p:notesSz cx="6858000" cy="9144000"/>
@@ -206,7 +207,7 @@
           <a:p>
             <a:fld id="{63789151-886F-4615-8B0B-730F4E361301}" type="datetimeFigureOut">
               <a:rPr lang="ru-RU" smtClean="0"/>
-              <a:t>08.01.2025</a:t>
+              <a:t>06.02.2025</a:t>
             </a:fld>
             <a:endParaRPr lang="ru-RU"/>
           </a:p>
@@ -707,7 +708,7 @@
           <a:p>
             <a:fld id="{3FF07C4D-493E-469B-B58A-0351FEEF4202}" type="datetimeFigureOut">
               <a:rPr lang="ru-RU" smtClean="0"/>
-              <a:t>08.01.2025</a:t>
+              <a:t>06.02.2025</a:t>
             </a:fld>
             <a:endParaRPr lang="ru-RU"/>
           </a:p>
@@ -907,7 +908,7 @@
           <a:p>
             <a:fld id="{3FF07C4D-493E-469B-B58A-0351FEEF4202}" type="datetimeFigureOut">
               <a:rPr lang="ru-RU" smtClean="0"/>
-              <a:t>08.01.2025</a:t>
+              <a:t>06.02.2025</a:t>
             </a:fld>
             <a:endParaRPr lang="ru-RU"/>
           </a:p>
@@ -1117,7 +1118,7 @@
           <a:p>
             <a:fld id="{3FF07C4D-493E-469B-B58A-0351FEEF4202}" type="datetimeFigureOut">
               <a:rPr lang="ru-RU" smtClean="0"/>
-              <a:t>08.01.2025</a:t>
+              <a:t>06.02.2025</a:t>
             </a:fld>
             <a:endParaRPr lang="ru-RU"/>
           </a:p>
@@ -1317,7 +1318,7 @@
           <a:p>
             <a:fld id="{3FF07C4D-493E-469B-B58A-0351FEEF4202}" type="datetimeFigureOut">
               <a:rPr lang="ru-RU" smtClean="0"/>
-              <a:t>08.01.2025</a:t>
+              <a:t>06.02.2025</a:t>
             </a:fld>
             <a:endParaRPr lang="ru-RU"/>
           </a:p>
@@ -1593,7 +1594,7 @@
           <a:p>
             <a:fld id="{3FF07C4D-493E-469B-B58A-0351FEEF4202}" type="datetimeFigureOut">
               <a:rPr lang="ru-RU" smtClean="0"/>
-              <a:t>08.01.2025</a:t>
+              <a:t>06.02.2025</a:t>
             </a:fld>
             <a:endParaRPr lang="ru-RU"/>
           </a:p>
@@ -1861,7 +1862,7 @@
           <a:p>
             <a:fld id="{3FF07C4D-493E-469B-B58A-0351FEEF4202}" type="datetimeFigureOut">
               <a:rPr lang="ru-RU" smtClean="0"/>
-              <a:t>08.01.2025</a:t>
+              <a:t>06.02.2025</a:t>
             </a:fld>
             <a:endParaRPr lang="ru-RU"/>
           </a:p>
@@ -2276,7 +2277,7 @@
           <a:p>
             <a:fld id="{3FF07C4D-493E-469B-B58A-0351FEEF4202}" type="datetimeFigureOut">
               <a:rPr lang="ru-RU" smtClean="0"/>
-              <a:t>08.01.2025</a:t>
+              <a:t>06.02.2025</a:t>
             </a:fld>
             <a:endParaRPr lang="ru-RU"/>
           </a:p>
@@ -2418,7 +2419,7 @@
           <a:p>
             <a:fld id="{3FF07C4D-493E-469B-B58A-0351FEEF4202}" type="datetimeFigureOut">
               <a:rPr lang="ru-RU" smtClean="0"/>
-              <a:t>08.01.2025</a:t>
+              <a:t>06.02.2025</a:t>
             </a:fld>
             <a:endParaRPr lang="ru-RU"/>
           </a:p>
@@ -2531,7 +2532,7 @@
           <a:p>
             <a:fld id="{3FF07C4D-493E-469B-B58A-0351FEEF4202}" type="datetimeFigureOut">
               <a:rPr lang="ru-RU" smtClean="0"/>
-              <a:t>08.01.2025</a:t>
+              <a:t>06.02.2025</a:t>
             </a:fld>
             <a:endParaRPr lang="ru-RU"/>
           </a:p>
@@ -2844,7 +2845,7 @@
           <a:p>
             <a:fld id="{3FF07C4D-493E-469B-B58A-0351FEEF4202}" type="datetimeFigureOut">
               <a:rPr lang="ru-RU" smtClean="0"/>
-              <a:t>08.01.2025</a:t>
+              <a:t>06.02.2025</a:t>
             </a:fld>
             <a:endParaRPr lang="ru-RU"/>
           </a:p>
@@ -3133,7 +3134,7 @@
           <a:p>
             <a:fld id="{3FF07C4D-493E-469B-B58A-0351FEEF4202}" type="datetimeFigureOut">
               <a:rPr lang="ru-RU" smtClean="0"/>
-              <a:t>08.01.2025</a:t>
+              <a:t>06.02.2025</a:t>
             </a:fld>
             <a:endParaRPr lang="ru-RU"/>
           </a:p>
@@ -3376,7 +3377,7 @@
           <a:p>
             <a:fld id="{3FF07C4D-493E-469B-B58A-0351FEEF4202}" type="datetimeFigureOut">
               <a:rPr lang="ru-RU" smtClean="0"/>
-              <a:t>08.01.2025</a:t>
+              <a:t>06.02.2025</a:t>
             </a:fld>
             <a:endParaRPr lang="ru-RU"/>
           </a:p>
@@ -3895,6 +3896,134 @@
           <p:cNvPr id="2" name="Title 1">
             <a:extLst>
               <a:ext uri="{FF2B5EF4-FFF2-40B4-BE49-F238E27FC236}">
+                <a16:creationId xmlns:a16="http://schemas.microsoft.com/office/drawing/2014/main" id="{2055885C-1DBD-3AAB-EB95-3F3A380139CC}"/>
+              </a:ext>
+            </a:extLst>
+          </p:cNvPr>
+          <p:cNvSpPr>
+            <a:spLocks noGrp="1"/>
+          </p:cNvSpPr>
+          <p:nvPr>
+            <p:ph type="title"/>
+          </p:nvPr>
+        </p:nvSpPr>
+        <p:spPr/>
+        <p:txBody>
+          <a:bodyPr/>
+          <a:lstStyle/>
+          <a:p>
+            <a:r>
+              <a:rPr lang="ru-RU" dirty="0"/>
+              <a:t>Суммируя</a:t>
+            </a:r>
+          </a:p>
+        </p:txBody>
+      </p:sp>
+      <p:sp>
+        <p:nvSpPr>
+          <p:cNvPr id="3" name="Content Placeholder 2">
+            <a:extLst>
+              <a:ext uri="{FF2B5EF4-FFF2-40B4-BE49-F238E27FC236}">
+                <a16:creationId xmlns:a16="http://schemas.microsoft.com/office/drawing/2014/main" id="{16886ADB-97C7-1CBF-FB4A-FDDDC7826686}"/>
+              </a:ext>
+            </a:extLst>
+          </p:cNvPr>
+          <p:cNvSpPr>
+            <a:spLocks noGrp="1"/>
+          </p:cNvSpPr>
+          <p:nvPr>
+            <p:ph idx="1"/>
+          </p:nvPr>
+        </p:nvSpPr>
+        <p:spPr>
+          <a:xfrm>
+            <a:off x="838200" y="1825625"/>
+            <a:ext cx="10515600" cy="3331166"/>
+          </a:xfrm>
+        </p:spPr>
+        <p:txBody>
+          <a:bodyPr/>
+          <a:lstStyle/>
+          <a:p>
+            <a:pPr>
+              <a:lnSpc>
+                <a:spcPct val="200000"/>
+              </a:lnSpc>
+            </a:pPr>
+            <a:r>
+              <a:rPr lang="ru-RU" dirty="0"/>
+              <a:t>Посещения занятий достаточно для получения хорошей оценки</a:t>
+            </a:r>
+            <a:r>
+              <a:rPr lang="en-US" dirty="0"/>
+              <a:t>;</a:t>
+            </a:r>
+            <a:endParaRPr lang="ru-RU" dirty="0"/>
+          </a:p>
+          <a:p>
+            <a:pPr>
+              <a:lnSpc>
+                <a:spcPct val="200000"/>
+              </a:lnSpc>
+            </a:pPr>
+            <a:r>
+              <a:rPr lang="ru-RU" dirty="0"/>
+              <a:t>На экзамен нужно сходить</a:t>
+            </a:r>
+            <a:r>
+              <a:rPr lang="en-US" dirty="0"/>
+              <a:t>;</a:t>
+            </a:r>
+            <a:endParaRPr lang="ru-RU" dirty="0"/>
+          </a:p>
+          <a:p>
+            <a:pPr>
+              <a:lnSpc>
+                <a:spcPct val="200000"/>
+              </a:lnSpc>
+            </a:pPr>
+            <a:r>
+              <a:rPr lang="ru-RU" dirty="0"/>
+              <a:t>Заключительный проект направлен на опытных программистов</a:t>
+            </a:r>
+          </a:p>
+        </p:txBody>
+      </p:sp>
+    </p:spTree>
+    <p:extLst>
+      <p:ext uri="{BB962C8B-B14F-4D97-AF65-F5344CB8AC3E}">
+        <p14:creationId xmlns:p14="http://schemas.microsoft.com/office/powerpoint/2010/main" val="4121481096"/>
+      </p:ext>
+    </p:extLst>
+  </p:cSld>
+  <p:clrMapOvr>
+    <a:masterClrMapping/>
+  </p:clrMapOvr>
+</p:sld>
+</file>
+
+<file path=ppt/slides/slide11.xml><?xml version="1.0" encoding="utf-8"?>
+<p:sld xmlns:a="http://schemas.openxmlformats.org/drawingml/2006/main" xmlns:r="http://schemas.openxmlformats.org/officeDocument/2006/relationships" xmlns:p="http://schemas.openxmlformats.org/presentationml/2006/main">
+  <p:cSld>
+    <p:spTree>
+      <p:nvGrpSpPr>
+        <p:cNvPr id="1" name=""/>
+        <p:cNvGrpSpPr/>
+        <p:nvPr/>
+      </p:nvGrpSpPr>
+      <p:grpSpPr>
+        <a:xfrm>
+          <a:off x="0" y="0"/>
+          <a:ext cx="0" cy="0"/>
+          <a:chOff x="0" y="0"/>
+          <a:chExt cx="0" cy="0"/>
+        </a:xfrm>
+      </p:grpSpPr>
+      <p:sp>
+        <p:nvSpPr>
+          <p:cNvPr id="2" name="Title 1">
+            <a:extLst>
+              <a:ext uri="{FF2B5EF4-FFF2-40B4-BE49-F238E27FC236}">
                 <a16:creationId xmlns:a16="http://schemas.microsoft.com/office/drawing/2014/main" id="{24630DF1-3762-B564-A868-D073C92012E1}"/>
               </a:ext>
             </a:extLst>
@@ -4000,8 +4129,8 @@
         </p:nvSpPr>
         <p:spPr>
           <a:xfrm>
-            <a:off x="6018028" y="2654964"/>
-            <a:ext cx="5784112" cy="2459295"/>
+            <a:off x="838200" y="1924604"/>
+            <a:ext cx="7017489" cy="4029629"/>
           </a:xfrm>
         </p:spPr>
         <p:txBody>
@@ -4010,23 +4139,58 @@
           </a:bodyPr>
           <a:lstStyle/>
           <a:p>
+            <a:pPr>
+              <a:lnSpc>
+                <a:spcPct val="160000"/>
+              </a:lnSpc>
+            </a:pPr>
             <a:r>
               <a:rPr lang="ru-RU" dirty="0"/>
               <a:t>3</a:t>
             </a:r>
             <a:r>
               <a:rPr lang="en-US" dirty="0"/>
-              <a:t>.5+ Middle+ AI developer</a:t>
+              <a:t>.5+ Middle+ SWE;</a:t>
             </a:r>
             <a:endParaRPr lang="ru-RU" dirty="0"/>
           </a:p>
           <a:p>
+            <a:pPr>
+              <a:lnSpc>
+                <a:spcPct val="160000"/>
+              </a:lnSpc>
+            </a:pPr>
             <a:r>
               <a:rPr lang="ru-RU" dirty="0"/>
               <a:t>1 год преподавания на кафедре</a:t>
             </a:r>
-          </a:p>
-          <a:p>
+            <a:r>
+              <a:rPr lang="en-US" dirty="0"/>
+              <a:t>;</a:t>
+            </a:r>
+          </a:p>
+          <a:p>
+            <a:pPr>
+              <a:lnSpc>
+                <a:spcPct val="160000"/>
+              </a:lnSpc>
+            </a:pPr>
+            <a:r>
+              <a:rPr lang="ru-RU" dirty="0"/>
+              <a:t>Теория оптимизации и управления</a:t>
+            </a:r>
+            <a:r>
+              <a:rPr lang="en-US" dirty="0"/>
+              <a:t>;</a:t>
+            </a:r>
+            <a:endParaRPr lang="ru-RU" dirty="0"/>
+          </a:p>
+          <a:p>
+            <a:pPr>
+              <a:lnSpc>
+                <a:spcPct val="160000"/>
+              </a:lnSpc>
+            </a:pPr>
             <a:r>
               <a:rPr lang="ru-RU" dirty="0"/>
               <a:t>Внедрение языковых ассистентов</a:t>
@@ -4040,6 +4204,11 @@
             </a:r>
           </a:p>
           <a:p>
+            <a:pPr>
+              <a:lnSpc>
+                <a:spcPct val="160000"/>
+              </a:lnSpc>
+            </a:pPr>
             <a:endParaRPr lang="ru-RU" dirty="0"/>
           </a:p>
         </p:txBody>
@@ -4129,12 +4298,8 @@
               </a:lnSpc>
             </a:pPr>
             <a:r>
-              <a:rPr lang="ru-RU"/>
-              <a:t>Базовые педагогические </a:t>
-            </a:r>
-            <a:r>
               <a:rPr lang="ru-RU" dirty="0"/>
-              <a:t>приложения</a:t>
+              <a:t>Базовые педагогические приложения</a:t>
             </a:r>
             <a:r>
               <a:rPr lang="en-US" dirty="0"/>
@@ -4150,7 +4315,7 @@
             </a:pPr>
             <a:r>
               <a:rPr lang="ru-RU" dirty="0"/>
-              <a:t>Оформление магистерской работы в цифровое решение</a:t>
+              <a:t>Оформление магистерской работы как цифровое решение</a:t>
             </a:r>
             <a:r>
               <a:rPr lang="en-US" dirty="0"/>
@@ -4402,8 +4567,13 @@
             </a:pPr>
             <a:r>
               <a:rPr lang="ru-RU" dirty="0"/>
-              <a:t>Лекции в дистанционном формате </a:t>
-            </a:r>
+              <a:t>Лекции в дистанционном формате</a:t>
+            </a:r>
+            <a:r>
+              <a:rPr lang="en-US" dirty="0"/>
+              <a:t>;</a:t>
+            </a:r>
+            <a:endParaRPr lang="ru-RU" dirty="0"/>
           </a:p>
           <a:p>
             <a:pPr>
@@ -4417,7 +4587,7 @@
             </a:r>
             <a:r>
               <a:rPr lang="en-US" dirty="0"/>
-              <a:t> (@shadowdolphin)</a:t>
+              <a:t> (@shadowdolphin);</a:t>
             </a:r>
             <a:endParaRPr lang="ru-RU" dirty="0"/>
           </a:p>
@@ -4451,7 +4621,10 @@
               <a:rPr lang="en-US" dirty="0" err="1"/>
               <a:t>Github</a:t>
             </a:r>
-            <a:endParaRPr lang="en-US" dirty="0"/>
+            <a:r>
+              <a:rPr lang="en-US" dirty="0"/>
+              <a:t>;</a:t>
+            </a:r>
           </a:p>
           <a:p>
             <a:pPr>
@@ -4483,6 +4656,11 @@
               <a:rPr lang="ru-RU" dirty="0"/>
               <a:t>для практики</a:t>
             </a:r>
+            <a:r>
+              <a:rPr lang="en-US" dirty="0"/>
+              <a:t>.</a:t>
+            </a:r>
+            <a:endParaRPr lang="ru-RU" dirty="0"/>
           </a:p>
         </p:txBody>
       </p:sp>
@@ -4560,7 +4738,12 @@
             <p:ph idx="1"/>
           </p:nvPr>
         </p:nvSpPr>
-        <p:spPr/>
+        <p:spPr>
+          <a:xfrm>
+            <a:off x="838200" y="1825625"/>
+            <a:ext cx="10515600" cy="3490654"/>
+          </a:xfrm>
+        </p:spPr>
         <p:txBody>
           <a:bodyPr/>
           <a:lstStyle/>
@@ -4571,12 +4754,8 @@
               </a:lnSpc>
             </a:pPr>
             <a:r>
-              <a:rPr lang="en-US" dirty="0"/>
-              <a:t>IT</a:t>
-            </a:r>
-            <a:r>
               <a:rPr lang="ru-RU" dirty="0"/>
-              <a:t>-терминология (5-10 минут)</a:t>
+              <a:t>Теоретическая часть (20 минут)</a:t>
             </a:r>
             <a:r>
               <a:rPr lang="en-US" dirty="0"/>
@@ -4592,7 +4771,7 @@
             </a:pPr>
             <a:r>
               <a:rPr lang="ru-RU" dirty="0"/>
-              <a:t>Теоретическая часть (20 минут)</a:t>
+              <a:t>Обсуждение кейса (10 минут)</a:t>
             </a:r>
             <a:r>
               <a:rPr lang="en-US" dirty="0"/>
@@ -4608,7 +4787,7 @@
             </a:pPr>
             <a:r>
               <a:rPr lang="ru-RU" dirty="0"/>
-              <a:t>Обсуждение (10 минут)</a:t>
+              <a:t>Семинарская часть (60 минут)</a:t>
             </a:r>
             <a:r>
               <a:rPr lang="en-US" dirty="0"/>
@@ -4624,23 +4803,27 @@
             </a:pPr>
             <a:r>
               <a:rPr lang="ru-RU" dirty="0"/>
-              <a:t>Семинарская часть (60 минут)</a:t>
+              <a:t>Ваша самостоятельная практика на платформе </a:t>
+            </a:r>
+            <a:r>
+              <a:rPr lang="en-US" dirty="0" err="1"/>
+              <a:t>Stepik</a:t>
             </a:r>
             <a:r>
               <a:rPr lang="en-US" dirty="0"/>
-              <a:t>;</a:t>
-            </a:r>
-            <a:endParaRPr lang="ru-RU" dirty="0"/>
-          </a:p>
-          <a:p>
-            <a:pPr>
-              <a:lnSpc>
-                <a:spcPct val="150000"/>
-              </a:lnSpc>
-            </a:pPr>
+              <a:t> </a:t>
+            </a:r>
             <a:r>
               <a:rPr lang="ru-RU" dirty="0"/>
-              <a:t>Ваша самостоятельная практика (90 минут)</a:t>
+              <a:t>(90</a:t>
+            </a:r>
+            <a:r>
+              <a:rPr lang="en-US" dirty="0"/>
+              <a:t>+</a:t>
+            </a:r>
+            <a:r>
+              <a:rPr lang="ru-RU" dirty="0"/>
+              <a:t> минут)</a:t>
             </a:r>
           </a:p>
         </p:txBody>
@@ -4941,8 +5124,8 @@
         </p:nvSpPr>
         <p:spPr>
           <a:xfrm>
-            <a:off x="838200" y="2048909"/>
-            <a:ext cx="5583865" cy="3309900"/>
+            <a:off x="838200" y="2048908"/>
+            <a:ext cx="5583865" cy="4277463"/>
           </a:xfrm>
         </p:spPr>
         <p:txBody>
@@ -5003,7 +5186,17 @@
               <a:rPr lang="en-US" dirty="0"/>
               <a:t>;</a:t>
             </a:r>
-            <a:endParaRPr lang="ru-RU" dirty="0"/>
+          </a:p>
+          <a:p>
+            <a:pPr>
+              <a:lnSpc>
+                <a:spcPct val="200000"/>
+              </a:lnSpc>
+            </a:pPr>
+            <a:r>
+              <a:rPr lang="ru-RU" dirty="0"/>
+              <a:t>Экзамен (50 баллов)</a:t>
+            </a:r>
           </a:p>
         </p:txBody>
       </p:sp>
@@ -5164,7 +5357,7 @@
           <p:cNvPr id="2" name="Title 1">
             <a:extLst>
               <a:ext uri="{FF2B5EF4-FFF2-40B4-BE49-F238E27FC236}">
-                <a16:creationId xmlns:a16="http://schemas.microsoft.com/office/drawing/2014/main" id="{2055885C-1DBD-3AAB-EB95-3F3A380139CC}"/>
+                <a16:creationId xmlns:a16="http://schemas.microsoft.com/office/drawing/2014/main" id="{08F55E6C-899D-0459-48A4-31E15F465940}"/>
               </a:ext>
             </a:extLst>
           </p:cNvPr>
@@ -5182,7 +5375,7 @@
           <a:p>
             <a:r>
               <a:rPr lang="ru-RU" dirty="0"/>
-              <a:t>Суммируя</a:t>
+              <a:t>Экзамен</a:t>
             </a:r>
           </a:p>
         </p:txBody>
@@ -5192,7 +5385,7 @@
           <p:cNvPr id="3" name="Content Placeholder 2">
             <a:extLst>
               <a:ext uri="{FF2B5EF4-FFF2-40B4-BE49-F238E27FC236}">
-                <a16:creationId xmlns:a16="http://schemas.microsoft.com/office/drawing/2014/main" id="{16886ADB-97C7-1CBF-FB4A-FDDDC7826686}"/>
+                <a16:creationId xmlns:a16="http://schemas.microsoft.com/office/drawing/2014/main" id="{21E0D146-12C0-5BA9-568D-C5DBB5966134}"/>
               </a:ext>
             </a:extLst>
           </p:cNvPr>
@@ -5203,56 +5396,60 @@
             <p:ph idx="1"/>
           </p:nvPr>
         </p:nvSpPr>
-        <p:spPr>
-          <a:xfrm>
-            <a:off x="838200" y="1825625"/>
-            <a:ext cx="10515600" cy="3331166"/>
-          </a:xfrm>
-        </p:spPr>
+        <p:spPr/>
         <p:txBody>
           <a:bodyPr/>
           <a:lstStyle/>
           <a:p>
             <a:pPr>
               <a:lnSpc>
-                <a:spcPct val="200000"/>
+                <a:spcPct val="150000"/>
               </a:lnSpc>
             </a:pPr>
             <a:r>
               <a:rPr lang="ru-RU" dirty="0"/>
-              <a:t>Посещения занятий достаточно для получения хорошей оценки</a:t>
-            </a:r>
-            <a:r>
-              <a:rPr lang="en-US" dirty="0"/>
-              <a:t>;</a:t>
-            </a:r>
-            <a:endParaRPr lang="ru-RU" dirty="0"/>
+              <a:t>С применением дистанционных технологий</a:t>
+            </a:r>
           </a:p>
           <a:p>
             <a:pPr>
               <a:lnSpc>
-                <a:spcPct val="200000"/>
+                <a:spcPct val="150000"/>
               </a:lnSpc>
             </a:pPr>
             <a:r>
               <a:rPr lang="ru-RU" dirty="0"/>
-              <a:t>Если балл меньше 80, то стоит прийти на экзамен</a:t>
-            </a:r>
-            <a:r>
-              <a:rPr lang="en-US" dirty="0"/>
-              <a:t>;</a:t>
-            </a:r>
-            <a:endParaRPr lang="ru-RU" dirty="0"/>
+              <a:t>Один </a:t>
+            </a:r>
+            <a:r>
+              <a:rPr lang="ru-RU"/>
+              <a:t>вопрос по </a:t>
+            </a:r>
+            <a:r>
+              <a:rPr lang="ru-RU" dirty="0"/>
+              <a:t>теме курса на полчаса с возможностью работы с интернетом</a:t>
+            </a:r>
           </a:p>
           <a:p>
             <a:pPr>
               <a:lnSpc>
-                <a:spcPct val="200000"/>
+                <a:spcPct val="150000"/>
               </a:lnSpc>
             </a:pPr>
             <a:r>
               <a:rPr lang="ru-RU" dirty="0"/>
-              <a:t>Заключительный проект направлен на опытных программистов</a:t>
+              <a:t>Будут дополнительные вопросы </a:t>
+            </a:r>
+          </a:p>
+          <a:p>
+            <a:pPr>
+              <a:lnSpc>
+                <a:spcPct val="150000"/>
+              </a:lnSpc>
+            </a:pPr>
+            <a:r>
+              <a:rPr lang="ru-RU" dirty="0"/>
+              <a:t>Выполнение проекта освобождает от посещения экзамена</a:t>
             </a:r>
           </a:p>
         </p:txBody>
@@ -5260,7 +5457,7 @@
     </p:spTree>
     <p:extLst>
       <p:ext uri="{BB962C8B-B14F-4D97-AF65-F5344CB8AC3E}">
-        <p14:creationId xmlns:p14="http://schemas.microsoft.com/office/powerpoint/2010/main" val="4121481096"/>
+        <p14:creationId xmlns:p14="http://schemas.microsoft.com/office/powerpoint/2010/main" val="3478795826"/>
       </p:ext>
     </p:extLst>
   </p:cSld>
